--- a/materials/slides/ch12/12 数据驱动性能测试(参数化).pptx
+++ b/materials/slides/ch12/12 数据驱动性能测试(参数化).pptx
@@ -34,7 +34,7 @@
     <p:sldId id="334" r:id="rId25"/>
     <p:sldId id="335" r:id="rId26"/>
   </p:sldIdLst>
-  <p:sldSz cx="9144000" cy="6858000" type="screen4x3"/>
+  <p:sldSz cx="9144000" cy="5143500" type="screen16x9"/>
   <p:notesSz cx="6858000" cy="9144000"/>
   <p:defaultTextStyle>
     <a:defPPr>
@@ -234,8 +234,8 @@
         </p:nvSpPr>
         <p:spPr>
           <a:xfrm>
-            <a:off x="1143000" y="685800"/>
-            <a:ext cx="4572000" cy="3429000"/>
+            <a:off x="381000" y="685800"/>
+            <a:ext cx="6096000" cy="3429000"/>
           </a:xfrm>
           <a:prstGeom prst="rect">
             <a:avLst/>
@@ -511,7 +511,12 @@
             <p:ph type="sldImg"/>
           </p:nvPr>
         </p:nvSpPr>
-        <p:spPr/>
+        <p:spPr>
+          <a:xfrm>
+            <a:off x="381000" y="685800"/>
+            <a:ext cx="6096000" cy="3429000"/>
+          </a:xfrm>
+        </p:spPr>
       </p:sp>
       <p:sp>
         <p:nvSpPr>
@@ -595,7 +600,12 @@
             <p:ph type="sldImg"/>
           </p:nvPr>
         </p:nvSpPr>
-        <p:spPr/>
+        <p:spPr>
+          <a:xfrm>
+            <a:off x="381000" y="685800"/>
+            <a:ext cx="6096000" cy="3429000"/>
+          </a:xfrm>
+        </p:spPr>
       </p:sp>
       <p:sp>
         <p:nvSpPr>
@@ -703,7 +713,12 @@
             <p:ph type="sldImg"/>
           </p:nvPr>
         </p:nvSpPr>
-        <p:spPr/>
+        <p:spPr>
+          <a:xfrm>
+            <a:off x="381000" y="685800"/>
+            <a:ext cx="6096000" cy="3429000"/>
+          </a:xfrm>
+        </p:spPr>
       </p:sp>
       <p:sp>
         <p:nvSpPr>
@@ -787,7 +802,12 @@
             <p:ph type="sldImg"/>
           </p:nvPr>
         </p:nvSpPr>
-        <p:spPr/>
+        <p:spPr>
+          <a:xfrm>
+            <a:off x="381000" y="685800"/>
+            <a:ext cx="6096000" cy="3429000"/>
+          </a:xfrm>
+        </p:spPr>
       </p:sp>
       <p:sp>
         <p:nvSpPr>
@@ -871,7 +891,12 @@
             <p:ph type="sldImg"/>
           </p:nvPr>
         </p:nvSpPr>
-        <p:spPr/>
+        <p:spPr>
+          <a:xfrm>
+            <a:off x="381000" y="685800"/>
+            <a:ext cx="6096000" cy="3429000"/>
+          </a:xfrm>
+        </p:spPr>
       </p:sp>
       <p:sp>
         <p:nvSpPr>
@@ -955,7 +980,12 @@
             <p:ph type="sldImg"/>
           </p:nvPr>
         </p:nvSpPr>
-        <p:spPr/>
+        <p:spPr>
+          <a:xfrm>
+            <a:off x="381000" y="685800"/>
+            <a:ext cx="6096000" cy="3429000"/>
+          </a:xfrm>
+        </p:spPr>
       </p:sp>
       <p:sp>
         <p:nvSpPr>
@@ -1039,7 +1069,12 @@
             <p:ph type="sldImg"/>
           </p:nvPr>
         </p:nvSpPr>
-        <p:spPr/>
+        <p:spPr>
+          <a:xfrm>
+            <a:off x="381000" y="685800"/>
+            <a:ext cx="6096000" cy="3429000"/>
+          </a:xfrm>
+        </p:spPr>
       </p:sp>
       <p:sp>
         <p:nvSpPr>
@@ -1123,7 +1158,12 @@
             <p:ph type="sldImg"/>
           </p:nvPr>
         </p:nvSpPr>
-        <p:spPr/>
+        <p:spPr>
+          <a:xfrm>
+            <a:off x="381000" y="685800"/>
+            <a:ext cx="6096000" cy="3429000"/>
+          </a:xfrm>
+        </p:spPr>
       </p:sp>
       <p:sp>
         <p:nvSpPr>
@@ -1207,7 +1247,12 @@
             <p:ph type="sldImg"/>
           </p:nvPr>
         </p:nvSpPr>
-        <p:spPr/>
+        <p:spPr>
+          <a:xfrm>
+            <a:off x="381000" y="685800"/>
+            <a:ext cx="6096000" cy="3429000"/>
+          </a:xfrm>
+        </p:spPr>
       </p:sp>
       <p:sp>
         <p:nvSpPr>
@@ -1291,7 +1336,12 @@
             <p:ph type="sldImg"/>
           </p:nvPr>
         </p:nvSpPr>
-        <p:spPr/>
+        <p:spPr>
+          <a:xfrm>
+            <a:off x="381000" y="685800"/>
+            <a:ext cx="6096000" cy="3429000"/>
+          </a:xfrm>
+        </p:spPr>
       </p:sp>
       <p:sp>
         <p:nvSpPr>
@@ -1375,7 +1425,12 @@
             <p:ph type="sldImg"/>
           </p:nvPr>
         </p:nvSpPr>
-        <p:spPr/>
+        <p:spPr>
+          <a:xfrm>
+            <a:off x="381000" y="685800"/>
+            <a:ext cx="6096000" cy="3429000"/>
+          </a:xfrm>
+        </p:spPr>
       </p:sp>
       <p:sp>
         <p:nvSpPr>
@@ -1459,7 +1514,12 @@
             <p:ph type="sldImg"/>
           </p:nvPr>
         </p:nvSpPr>
-        <p:spPr/>
+        <p:spPr>
+          <a:xfrm>
+            <a:off x="381000" y="685800"/>
+            <a:ext cx="6096000" cy="3429000"/>
+          </a:xfrm>
+        </p:spPr>
       </p:sp>
       <p:sp>
         <p:nvSpPr>
@@ -1549,7 +1609,12 @@
             <p:ph type="sldImg"/>
           </p:nvPr>
         </p:nvSpPr>
-        <p:spPr/>
+        <p:spPr>
+          <a:xfrm>
+            <a:off x="381000" y="685800"/>
+            <a:ext cx="6096000" cy="3429000"/>
+          </a:xfrm>
+        </p:spPr>
       </p:sp>
       <p:sp>
         <p:nvSpPr>
@@ -1700,8 +1765,8 @@
         </p:nvSpPr>
         <p:spPr>
           <a:xfrm>
-            <a:off x="2106" y="818866"/>
-            <a:ext cx="9144000" cy="6210887"/>
+            <a:off x="2106" y="614150"/>
+            <a:ext cx="9144000" cy="4658165"/>
           </a:xfrm>
           <a:prstGeom prst="rect">
             <a:avLst/>
@@ -1746,8 +1811,8 @@
         </p:nvSpPr>
         <p:spPr>
           <a:xfrm>
-            <a:off x="0" y="-1"/>
-            <a:ext cx="9145588" cy="818867"/>
+            <a:off x="0" y="0"/>
+            <a:ext cx="9145588" cy="614150"/>
           </a:xfrm>
           <a:prstGeom prst="rect">
             <a:avLst/>
@@ -1796,8 +1861,8 @@
         </p:nvSpPr>
         <p:spPr>
           <a:xfrm>
-            <a:off x="685800" y="2130425"/>
-            <a:ext cx="7772400" cy="1470025"/>
+            <a:off x="685800" y="1597819"/>
+            <a:ext cx="7772400" cy="1102519"/>
           </a:xfrm>
         </p:spPr>
         <p:txBody>
@@ -1836,8 +1901,8 @@
         </p:nvSpPr>
         <p:spPr>
           <a:xfrm>
-            <a:off x="1371600" y="3886200"/>
-            <a:ext cx="6400800" cy="1752600"/>
+            <a:off x="1371600" y="2914650"/>
+            <a:ext cx="6400800" cy="1314450"/>
           </a:xfrm>
         </p:spPr>
         <p:txBody>
@@ -1980,8 +2045,8 @@
         </p:nvSpPr>
         <p:spPr>
           <a:xfrm>
-            <a:off x="683568" y="1052736"/>
-            <a:ext cx="7666037" cy="4641850"/>
+            <a:off x="683568" y="789552"/>
+            <a:ext cx="7666037" cy="3481388"/>
           </a:xfrm>
         </p:spPr>
         <p:txBody>
@@ -2068,8 +2133,8 @@
         </p:nvSpPr>
         <p:spPr>
           <a:xfrm>
-            <a:off x="782638" y="6527800"/>
-            <a:ext cx="349250" cy="207963"/>
+            <a:off x="782638" y="4895851"/>
+            <a:ext cx="349250" cy="155972"/>
           </a:xfrm>
           <a:prstGeom prst="rect">
             <a:avLst/>
@@ -2101,8 +2166,8 @@
         </p:nvSpPr>
         <p:spPr>
           <a:xfrm>
-            <a:off x="-828600" y="-162272"/>
-            <a:ext cx="8229600" cy="1143000"/>
+            <a:off x="-828600" y="-121704"/>
+            <a:ext cx="8229600" cy="857250"/>
           </a:xfrm>
           <a:prstGeom prst="rect">
             <a:avLst/>
@@ -2145,8 +2210,8 @@
         </p:nvSpPr>
         <p:spPr>
           <a:xfrm>
-            <a:off x="0" y="-1"/>
-            <a:ext cx="9145588" cy="818867"/>
+            <a:off x="0" y="0"/>
+            <a:ext cx="9145588" cy="614150"/>
           </a:xfrm>
           <a:prstGeom prst="rect">
             <a:avLst/>
@@ -2232,8 +2297,8 @@
         </p:nvSpPr>
         <p:spPr>
           <a:xfrm>
-            <a:off x="683568" y="1052736"/>
-            <a:ext cx="7666037" cy="4641850"/>
+            <a:off x="683568" y="789552"/>
+            <a:ext cx="7666037" cy="3481388"/>
           </a:xfrm>
         </p:spPr>
         <p:txBody>
@@ -2320,8 +2385,8 @@
         </p:nvSpPr>
         <p:spPr>
           <a:xfrm>
-            <a:off x="782638" y="6527800"/>
-            <a:ext cx="349250" cy="207963"/>
+            <a:off x="782638" y="4895851"/>
+            <a:ext cx="349250" cy="155972"/>
           </a:xfrm>
           <a:prstGeom prst="rect">
             <a:avLst/>
@@ -2353,8 +2418,8 @@
         </p:nvSpPr>
         <p:spPr>
           <a:xfrm>
-            <a:off x="-828600" y="-162272"/>
-            <a:ext cx="8229600" cy="1143000"/>
+            <a:off x="-828600" y="-121704"/>
+            <a:ext cx="8229600" cy="857250"/>
           </a:xfrm>
           <a:prstGeom prst="rect">
             <a:avLst/>
@@ -2397,8 +2462,8 @@
         </p:nvSpPr>
         <p:spPr>
           <a:xfrm>
-            <a:off x="0" y="-1"/>
-            <a:ext cx="9145588" cy="818867"/>
+            <a:off x="0" y="0"/>
+            <a:ext cx="9145588" cy="614150"/>
           </a:xfrm>
           <a:prstGeom prst="rect">
             <a:avLst/>
@@ -2484,8 +2549,8 @@
         </p:nvSpPr>
         <p:spPr>
           <a:xfrm>
-            <a:off x="683568" y="1052736"/>
-            <a:ext cx="7666037" cy="4641850"/>
+            <a:off x="683568" y="789552"/>
+            <a:ext cx="7666037" cy="3481388"/>
           </a:xfrm>
         </p:spPr>
         <p:txBody>
@@ -2572,8 +2637,8 @@
         </p:nvSpPr>
         <p:spPr>
           <a:xfrm>
-            <a:off x="782638" y="6527800"/>
-            <a:ext cx="349250" cy="207963"/>
+            <a:off x="782638" y="4895851"/>
+            <a:ext cx="349250" cy="155972"/>
           </a:xfrm>
           <a:prstGeom prst="rect">
             <a:avLst/>
@@ -2605,8 +2670,8 @@
         </p:nvSpPr>
         <p:spPr>
           <a:xfrm>
-            <a:off x="-828600" y="-162272"/>
-            <a:ext cx="8229600" cy="1143000"/>
+            <a:off x="-828600" y="-121704"/>
+            <a:ext cx="8229600" cy="857250"/>
           </a:xfrm>
           <a:prstGeom prst="rect">
             <a:avLst/>
@@ -2649,8 +2714,8 @@
         </p:nvSpPr>
         <p:spPr>
           <a:xfrm>
-            <a:off x="0" y="-1"/>
-            <a:ext cx="9145588" cy="818867"/>
+            <a:off x="0" y="0"/>
+            <a:ext cx="9145588" cy="614150"/>
           </a:xfrm>
           <a:prstGeom prst="rect">
             <a:avLst/>
@@ -2736,8 +2801,8 @@
         </p:nvSpPr>
         <p:spPr>
           <a:xfrm>
-            <a:off x="683568" y="1052736"/>
-            <a:ext cx="7666037" cy="4641850"/>
+            <a:off x="683568" y="789552"/>
+            <a:ext cx="7666037" cy="3481388"/>
           </a:xfrm>
         </p:spPr>
         <p:txBody>
@@ -2824,8 +2889,8 @@
         </p:nvSpPr>
         <p:spPr>
           <a:xfrm>
-            <a:off x="782638" y="6527800"/>
-            <a:ext cx="349250" cy="207963"/>
+            <a:off x="782638" y="4895851"/>
+            <a:ext cx="349250" cy="155972"/>
           </a:xfrm>
           <a:prstGeom prst="rect">
             <a:avLst/>
@@ -2857,8 +2922,8 @@
         </p:nvSpPr>
         <p:spPr>
           <a:xfrm>
-            <a:off x="-828600" y="-162272"/>
-            <a:ext cx="8229600" cy="1143000"/>
+            <a:off x="-828600" y="-121704"/>
+            <a:ext cx="8229600" cy="857250"/>
           </a:xfrm>
           <a:prstGeom prst="rect">
             <a:avLst/>
@@ -2901,8 +2966,8 @@
         </p:nvSpPr>
         <p:spPr>
           <a:xfrm>
-            <a:off x="0" y="-1"/>
-            <a:ext cx="9145588" cy="818867"/>
+            <a:off x="0" y="0"/>
+            <a:ext cx="9145588" cy="614150"/>
           </a:xfrm>
           <a:prstGeom prst="rect">
             <a:avLst/>
@@ -2988,8 +3053,8 @@
         </p:nvSpPr>
         <p:spPr>
           <a:xfrm>
-            <a:off x="683568" y="1052736"/>
-            <a:ext cx="7666037" cy="4641850"/>
+            <a:off x="683568" y="789552"/>
+            <a:ext cx="7666037" cy="3481388"/>
           </a:xfrm>
         </p:spPr>
         <p:txBody>
@@ -3076,8 +3141,8 @@
         </p:nvSpPr>
         <p:spPr>
           <a:xfrm>
-            <a:off x="782638" y="6527800"/>
-            <a:ext cx="349250" cy="207963"/>
+            <a:off x="782638" y="4895851"/>
+            <a:ext cx="349250" cy="155972"/>
           </a:xfrm>
           <a:prstGeom prst="rect">
             <a:avLst/>
@@ -3109,8 +3174,8 @@
         </p:nvSpPr>
         <p:spPr>
           <a:xfrm>
-            <a:off x="-828600" y="-162272"/>
-            <a:ext cx="8229600" cy="1143000"/>
+            <a:off x="-828600" y="-121704"/>
+            <a:ext cx="8229600" cy="857250"/>
           </a:xfrm>
           <a:prstGeom prst="rect">
             <a:avLst/>
@@ -3153,8 +3218,8 @@
         </p:nvSpPr>
         <p:spPr>
           <a:xfrm>
-            <a:off x="0" y="-1"/>
-            <a:ext cx="9145588" cy="818867"/>
+            <a:off x="0" y="0"/>
+            <a:ext cx="9145588" cy="614150"/>
           </a:xfrm>
           <a:prstGeom prst="rect">
             <a:avLst/>
@@ -3240,8 +3305,8 @@
         </p:nvSpPr>
         <p:spPr>
           <a:xfrm>
-            <a:off x="683568" y="1052736"/>
-            <a:ext cx="7666037" cy="4641850"/>
+            <a:off x="683568" y="789552"/>
+            <a:ext cx="7666037" cy="3481388"/>
           </a:xfrm>
         </p:spPr>
         <p:txBody>
@@ -3328,8 +3393,8 @@
         </p:nvSpPr>
         <p:spPr>
           <a:xfrm>
-            <a:off x="782638" y="6527800"/>
-            <a:ext cx="349250" cy="207963"/>
+            <a:off x="782638" y="4895851"/>
+            <a:ext cx="349250" cy="155972"/>
           </a:xfrm>
           <a:prstGeom prst="rect">
             <a:avLst/>
@@ -3361,8 +3426,8 @@
         </p:nvSpPr>
         <p:spPr>
           <a:xfrm>
-            <a:off x="-828600" y="-162272"/>
-            <a:ext cx="8229600" cy="1143000"/>
+            <a:off x="-828600" y="-121704"/>
+            <a:ext cx="8229600" cy="857250"/>
           </a:xfrm>
           <a:prstGeom prst="rect">
             <a:avLst/>
@@ -3405,8 +3470,8 @@
         </p:nvSpPr>
         <p:spPr>
           <a:xfrm>
-            <a:off x="0" y="-1"/>
-            <a:ext cx="9145588" cy="818867"/>
+            <a:off x="0" y="0"/>
+            <a:ext cx="9145588" cy="614150"/>
           </a:xfrm>
           <a:prstGeom prst="rect">
             <a:avLst/>
@@ -3492,8 +3557,8 @@
         </p:nvSpPr>
         <p:spPr>
           <a:xfrm>
-            <a:off x="683568" y="1052736"/>
-            <a:ext cx="7666037" cy="4641850"/>
+            <a:off x="683568" y="789552"/>
+            <a:ext cx="7666037" cy="3481388"/>
           </a:xfrm>
         </p:spPr>
         <p:txBody>
@@ -3580,8 +3645,8 @@
         </p:nvSpPr>
         <p:spPr>
           <a:xfrm>
-            <a:off x="782638" y="6527800"/>
-            <a:ext cx="349250" cy="207963"/>
+            <a:off x="782638" y="4895851"/>
+            <a:ext cx="349250" cy="155972"/>
           </a:xfrm>
           <a:prstGeom prst="rect">
             <a:avLst/>
@@ -3613,8 +3678,8 @@
         </p:nvSpPr>
         <p:spPr>
           <a:xfrm>
-            <a:off x="-828600" y="-162272"/>
-            <a:ext cx="8229600" cy="1143000"/>
+            <a:off x="-828600" y="-121704"/>
+            <a:ext cx="8229600" cy="857250"/>
           </a:xfrm>
           <a:prstGeom prst="rect">
             <a:avLst/>
@@ -3657,8 +3722,8 @@
         </p:nvSpPr>
         <p:spPr>
           <a:xfrm>
-            <a:off x="0" y="-1"/>
-            <a:ext cx="9145588" cy="818867"/>
+            <a:off x="0" y="0"/>
+            <a:ext cx="9145588" cy="614150"/>
           </a:xfrm>
           <a:prstGeom prst="rect">
             <a:avLst/>
@@ -3744,8 +3809,8 @@
         </p:nvSpPr>
         <p:spPr>
           <a:xfrm>
-            <a:off x="683568" y="1052736"/>
-            <a:ext cx="7666037" cy="4641850"/>
+            <a:off x="683568" y="789552"/>
+            <a:ext cx="7666037" cy="3481388"/>
           </a:xfrm>
         </p:spPr>
         <p:txBody>
@@ -3832,8 +3897,8 @@
         </p:nvSpPr>
         <p:spPr>
           <a:xfrm>
-            <a:off x="782638" y="6527800"/>
-            <a:ext cx="349250" cy="207963"/>
+            <a:off x="782638" y="4895851"/>
+            <a:ext cx="349250" cy="155972"/>
           </a:xfrm>
           <a:prstGeom prst="rect">
             <a:avLst/>
@@ -3865,8 +3930,8 @@
         </p:nvSpPr>
         <p:spPr>
           <a:xfrm>
-            <a:off x="-828600" y="-162272"/>
-            <a:ext cx="8229600" cy="1143000"/>
+            <a:off x="-828600" y="-121704"/>
+            <a:ext cx="8229600" cy="857250"/>
           </a:xfrm>
           <a:prstGeom prst="rect">
             <a:avLst/>
@@ -3909,8 +3974,8 @@
         </p:nvSpPr>
         <p:spPr>
           <a:xfrm>
-            <a:off x="0" y="-1"/>
-            <a:ext cx="9145588" cy="818867"/>
+            <a:off x="0" y="0"/>
+            <a:ext cx="9145588" cy="614150"/>
           </a:xfrm>
           <a:prstGeom prst="rect">
             <a:avLst/>
@@ -4109,8 +4174,8 @@
         </p:nvSpPr>
         <p:spPr>
           <a:xfrm>
-            <a:off x="0" y="-1"/>
-            <a:ext cx="9145588" cy="818867"/>
+            <a:off x="0" y="0"/>
+            <a:ext cx="9145588" cy="614150"/>
           </a:xfrm>
           <a:prstGeom prst="rect">
             <a:avLst/>
@@ -4159,8 +4224,8 @@
         </p:nvSpPr>
         <p:spPr>
           <a:xfrm>
-            <a:off x="14265" y="-1"/>
-            <a:ext cx="9022231" cy="818867"/>
+            <a:off x="14265" y="0"/>
+            <a:ext cx="9022231" cy="614150"/>
           </a:xfrm>
         </p:spPr>
         <p:txBody>
@@ -4224,8 +4289,8 @@
         </p:nvSpPr>
         <p:spPr>
           <a:xfrm>
-            <a:off x="683568" y="1052736"/>
-            <a:ext cx="7666037" cy="4641850"/>
+            <a:off x="683568" y="789552"/>
+            <a:ext cx="7666037" cy="3481388"/>
           </a:xfrm>
         </p:spPr>
         <p:txBody>
@@ -4312,8 +4377,8 @@
         </p:nvSpPr>
         <p:spPr>
           <a:xfrm>
-            <a:off x="782638" y="6309320"/>
-            <a:ext cx="1053058" cy="426443"/>
+            <a:off x="782638" y="4731991"/>
+            <a:ext cx="1053058" cy="319832"/>
           </a:xfrm>
           <a:prstGeom prst="rect">
             <a:avLst/>
@@ -4343,8 +4408,8 @@
         </p:nvSpPr>
         <p:spPr>
           <a:xfrm>
-            <a:off x="0" y="-1"/>
-            <a:ext cx="9145588" cy="818867"/>
+            <a:off x="0" y="0"/>
+            <a:ext cx="9145588" cy="614150"/>
           </a:xfrm>
           <a:prstGeom prst="rect">
             <a:avLst/>
@@ -4430,8 +4495,8 @@
         </p:nvSpPr>
         <p:spPr>
           <a:xfrm>
-            <a:off x="683568" y="1052736"/>
-            <a:ext cx="7666037" cy="4641850"/>
+            <a:off x="683568" y="789552"/>
+            <a:ext cx="7666037" cy="3481388"/>
           </a:xfrm>
         </p:spPr>
         <p:txBody>
@@ -4518,8 +4583,8 @@
         </p:nvSpPr>
         <p:spPr>
           <a:xfrm>
-            <a:off x="782638" y="6527800"/>
-            <a:ext cx="349250" cy="207963"/>
+            <a:off x="782638" y="4895851"/>
+            <a:ext cx="349250" cy="155972"/>
           </a:xfrm>
           <a:prstGeom prst="rect">
             <a:avLst/>
@@ -4549,8 +4614,8 @@
         </p:nvSpPr>
         <p:spPr>
           <a:xfrm>
-            <a:off x="0" y="-1"/>
-            <a:ext cx="9145588" cy="818867"/>
+            <a:off x="0" y="0"/>
+            <a:ext cx="9145588" cy="614150"/>
           </a:xfrm>
           <a:prstGeom prst="rect">
             <a:avLst/>
@@ -4636,8 +4701,8 @@
         </p:nvSpPr>
         <p:spPr>
           <a:xfrm>
-            <a:off x="683568" y="1052736"/>
-            <a:ext cx="7666037" cy="4641850"/>
+            <a:off x="683568" y="789552"/>
+            <a:ext cx="7666037" cy="3481388"/>
           </a:xfrm>
         </p:spPr>
         <p:txBody>
@@ -4724,8 +4789,8 @@
         </p:nvSpPr>
         <p:spPr>
           <a:xfrm>
-            <a:off x="782638" y="6527800"/>
-            <a:ext cx="349250" cy="207963"/>
+            <a:off x="782638" y="4895851"/>
+            <a:ext cx="349250" cy="155972"/>
           </a:xfrm>
           <a:prstGeom prst="rect">
             <a:avLst/>
@@ -4755,8 +4820,8 @@
         </p:nvSpPr>
         <p:spPr>
           <a:xfrm>
-            <a:off x="0" y="-1"/>
-            <a:ext cx="9145588" cy="818867"/>
+            <a:off x="0" y="0"/>
+            <a:ext cx="9145588" cy="614150"/>
           </a:xfrm>
           <a:prstGeom prst="rect">
             <a:avLst/>
@@ -4842,8 +4907,8 @@
         </p:nvSpPr>
         <p:spPr>
           <a:xfrm>
-            <a:off x="683568" y="1052736"/>
-            <a:ext cx="7666037" cy="4641850"/>
+            <a:off x="683568" y="789552"/>
+            <a:ext cx="7666037" cy="3481388"/>
           </a:xfrm>
         </p:spPr>
         <p:txBody>
@@ -4930,8 +4995,8 @@
         </p:nvSpPr>
         <p:spPr>
           <a:xfrm>
-            <a:off x="782638" y="6527800"/>
-            <a:ext cx="349250" cy="207963"/>
+            <a:off x="782638" y="4895851"/>
+            <a:ext cx="349250" cy="155972"/>
           </a:xfrm>
           <a:prstGeom prst="rect">
             <a:avLst/>
@@ -4963,8 +5028,8 @@
         </p:nvSpPr>
         <p:spPr>
           <a:xfrm>
-            <a:off x="-828600" y="-162272"/>
-            <a:ext cx="8229600" cy="1143000"/>
+            <a:off x="-828600" y="-121704"/>
+            <a:ext cx="8229600" cy="857250"/>
           </a:xfrm>
           <a:prstGeom prst="rect">
             <a:avLst/>
@@ -5007,8 +5072,8 @@
         </p:nvSpPr>
         <p:spPr>
           <a:xfrm>
-            <a:off x="0" y="-1"/>
-            <a:ext cx="9145588" cy="818867"/>
+            <a:off x="0" y="0"/>
+            <a:ext cx="9145588" cy="614150"/>
           </a:xfrm>
           <a:prstGeom prst="rect">
             <a:avLst/>
@@ -5094,8 +5159,8 @@
         </p:nvSpPr>
         <p:spPr>
           <a:xfrm>
-            <a:off x="683568" y="1052736"/>
-            <a:ext cx="7666037" cy="4641850"/>
+            <a:off x="683568" y="789552"/>
+            <a:ext cx="7666037" cy="3481388"/>
           </a:xfrm>
         </p:spPr>
         <p:txBody>
@@ -5182,8 +5247,8 @@
         </p:nvSpPr>
         <p:spPr>
           <a:xfrm>
-            <a:off x="782638" y="6527800"/>
-            <a:ext cx="349250" cy="207963"/>
+            <a:off x="782638" y="4895851"/>
+            <a:ext cx="349250" cy="155972"/>
           </a:xfrm>
           <a:prstGeom prst="rect">
             <a:avLst/>
@@ -5215,8 +5280,8 @@
         </p:nvSpPr>
         <p:spPr>
           <a:xfrm>
-            <a:off x="-828600" y="-162272"/>
-            <a:ext cx="8229600" cy="1143000"/>
+            <a:off x="-828600" y="-121704"/>
+            <a:ext cx="8229600" cy="857250"/>
           </a:xfrm>
           <a:prstGeom prst="rect">
             <a:avLst/>
@@ -5259,8 +5324,8 @@
         </p:nvSpPr>
         <p:spPr>
           <a:xfrm>
-            <a:off x="0" y="-1"/>
-            <a:ext cx="9145588" cy="818867"/>
+            <a:off x="0" y="0"/>
+            <a:ext cx="9145588" cy="614150"/>
           </a:xfrm>
           <a:prstGeom prst="rect">
             <a:avLst/>
@@ -5346,8 +5411,8 @@
         </p:nvSpPr>
         <p:spPr>
           <a:xfrm>
-            <a:off x="683568" y="1052736"/>
-            <a:ext cx="7666037" cy="4641850"/>
+            <a:off x="683568" y="789552"/>
+            <a:ext cx="7666037" cy="3481388"/>
           </a:xfrm>
         </p:spPr>
         <p:txBody>
@@ -5434,8 +5499,8 @@
         </p:nvSpPr>
         <p:spPr>
           <a:xfrm>
-            <a:off x="782638" y="6527800"/>
-            <a:ext cx="349250" cy="207963"/>
+            <a:off x="782638" y="4895851"/>
+            <a:ext cx="349250" cy="155972"/>
           </a:xfrm>
           <a:prstGeom prst="rect">
             <a:avLst/>
@@ -5467,8 +5532,8 @@
         </p:nvSpPr>
         <p:spPr>
           <a:xfrm>
-            <a:off x="-828600" y="-162272"/>
-            <a:ext cx="8229600" cy="1143000"/>
+            <a:off x="-828600" y="-121704"/>
+            <a:ext cx="8229600" cy="857250"/>
           </a:xfrm>
           <a:prstGeom prst="rect">
             <a:avLst/>
@@ -5511,8 +5576,8 @@
         </p:nvSpPr>
         <p:spPr>
           <a:xfrm>
-            <a:off x="0" y="-1"/>
-            <a:ext cx="9145588" cy="818867"/>
+            <a:off x="0" y="0"/>
+            <a:ext cx="9145588" cy="614150"/>
           </a:xfrm>
           <a:prstGeom prst="rect">
             <a:avLst/>
@@ -5598,8 +5663,8 @@
         </p:nvSpPr>
         <p:spPr>
           <a:xfrm>
-            <a:off x="683568" y="1052736"/>
-            <a:ext cx="7666037" cy="4641850"/>
+            <a:off x="683568" y="789552"/>
+            <a:ext cx="7666037" cy="3481388"/>
           </a:xfrm>
         </p:spPr>
         <p:txBody>
@@ -5686,8 +5751,8 @@
         </p:nvSpPr>
         <p:spPr>
           <a:xfrm>
-            <a:off x="782638" y="6527800"/>
-            <a:ext cx="349250" cy="207963"/>
+            <a:off x="782638" y="4895851"/>
+            <a:ext cx="349250" cy="155972"/>
           </a:xfrm>
           <a:prstGeom prst="rect">
             <a:avLst/>
@@ -5719,8 +5784,8 @@
         </p:nvSpPr>
         <p:spPr>
           <a:xfrm>
-            <a:off x="-828600" y="-162272"/>
-            <a:ext cx="8229600" cy="1143000"/>
+            <a:off x="-828600" y="-121704"/>
+            <a:ext cx="8229600" cy="857250"/>
           </a:xfrm>
           <a:prstGeom prst="rect">
             <a:avLst/>
@@ -5763,8 +5828,8 @@
         </p:nvSpPr>
         <p:spPr>
           <a:xfrm>
-            <a:off x="0" y="-1"/>
-            <a:ext cx="9145588" cy="818867"/>
+            <a:off x="0" y="0"/>
+            <a:ext cx="9145588" cy="614150"/>
           </a:xfrm>
           <a:prstGeom prst="rect">
             <a:avLst/>
@@ -5855,8 +5920,8 @@
         </p:nvSpPr>
         <p:spPr>
           <a:xfrm>
-            <a:off x="457200" y="274638"/>
-            <a:ext cx="8229600" cy="1143000"/>
+            <a:off x="457200" y="205978"/>
+            <a:ext cx="8229600" cy="857250"/>
           </a:xfrm>
           <a:prstGeom prst="rect">
             <a:avLst/>
@@ -5888,8 +5953,8 @@
         </p:nvSpPr>
         <p:spPr>
           <a:xfrm>
-            <a:off x="457200" y="1600200"/>
-            <a:ext cx="8229600" cy="4525963"/>
+            <a:off x="457200" y="1200151"/>
+            <a:ext cx="8229600" cy="3394472"/>
           </a:xfrm>
           <a:prstGeom prst="rect">
             <a:avLst/>
@@ -5950,8 +6015,8 @@
         </p:nvSpPr>
         <p:spPr>
           <a:xfrm>
-            <a:off x="457200" y="6356350"/>
-            <a:ext cx="2133600" cy="365125"/>
+            <a:off x="457200" y="4767263"/>
+            <a:ext cx="2133600" cy="273844"/>
           </a:xfrm>
           <a:prstGeom prst="rect">
             <a:avLst/>
@@ -5991,8 +6056,8 @@
         </p:nvSpPr>
         <p:spPr>
           <a:xfrm>
-            <a:off x="3124200" y="6356350"/>
-            <a:ext cx="2895600" cy="365125"/>
+            <a:off x="3124200" y="4767263"/>
+            <a:ext cx="2895600" cy="273844"/>
           </a:xfrm>
           <a:prstGeom prst="rect">
             <a:avLst/>
@@ -6028,8 +6093,8 @@
         </p:nvSpPr>
         <p:spPr>
           <a:xfrm>
-            <a:off x="6553200" y="6356350"/>
-            <a:ext cx="2133600" cy="365125"/>
+            <a:off x="6553200" y="4767263"/>
+            <a:ext cx="2133600" cy="273844"/>
           </a:xfrm>
           <a:prstGeom prst="rect">
             <a:avLst/>
@@ -6358,7 +6423,7 @@
         <p:spPr bwMode="auto">
           <a:xfrm>
             <a:off x="0" y="0"/>
-            <a:ext cx="9144000" cy="6858000"/>
+            <a:ext cx="9144000" cy="5143500"/>
           </a:xfrm>
           <a:prstGeom prst="rect">
             <a:avLst/>
@@ -6422,8 +6487,8 @@
         </p:nvSpPr>
         <p:spPr bwMode="auto">
           <a:xfrm>
-            <a:off x="2267744" y="2204864"/>
-            <a:ext cx="5832647" cy="930019"/>
+            <a:off x="2267744" y="1653649"/>
+            <a:ext cx="5832647" cy="697514"/>
           </a:xfrm>
           <a:prstGeom prst="rect">
             <a:avLst/>
@@ -6684,8 +6749,8 @@
         </p:nvSpPr>
         <p:spPr>
           <a:xfrm>
-            <a:off x="456406" y="1166018"/>
-            <a:ext cx="8229600" cy="4525963"/>
+            <a:off x="456406" y="874514"/>
+            <a:ext cx="8229600" cy="3394472"/>
           </a:xfrm>
         </p:spPr>
         <p:txBody>
@@ -6799,8 +6864,8 @@
         </p:blipFill>
         <p:spPr bwMode="auto">
           <a:xfrm>
-            <a:off x="1835696" y="1916832"/>
-            <a:ext cx="5532512" cy="4274365"/>
+            <a:off x="1835696" y="1437624"/>
+            <a:ext cx="5532512" cy="3205774"/>
           </a:xfrm>
           <a:prstGeom prst="rect">
             <a:avLst/>
@@ -6889,7 +6954,9 @@
         </p:nvSpPr>
         <p:spPr/>
         <p:txBody>
-          <a:bodyPr/>
+          <a:bodyPr>
+            <a:normAutofit fontScale="90000"/>
+          </a:bodyPr>
           <a:lstStyle/>
           <a:p>
             <a:r>
@@ -6923,8 +6990,8 @@
         </p:blipFill>
         <p:spPr>
           <a:xfrm>
-            <a:off x="683568" y="1628800"/>
-            <a:ext cx="7854918" cy="3887532"/>
+            <a:off x="683568" y="1221600"/>
+            <a:ext cx="7854918" cy="2915649"/>
           </a:xfrm>
           <a:prstGeom prst="rect">
             <a:avLst/>
@@ -6980,7 +7047,9 @@
         </p:nvSpPr>
         <p:spPr/>
         <p:txBody>
-          <a:bodyPr/>
+          <a:bodyPr>
+            <a:normAutofit fontScale="90000"/>
+          </a:bodyPr>
           <a:lstStyle/>
           <a:p>
             <a:r>
@@ -7011,8 +7080,8 @@
         </p:nvSpPr>
         <p:spPr>
           <a:xfrm>
-            <a:off x="107504" y="1052736"/>
-            <a:ext cx="9338711" cy="5040020"/>
+            <a:off x="107504" y="789552"/>
+            <a:ext cx="9338711" cy="3780015"/>
           </a:xfrm>
         </p:spPr>
         <p:txBody>
@@ -7098,8 +7167,8 @@
         </p:blipFill>
         <p:spPr bwMode="auto">
           <a:xfrm>
-            <a:off x="287791" y="2564904"/>
-            <a:ext cx="8484499" cy="3456384"/>
+            <a:off x="287791" y="1923678"/>
+            <a:ext cx="8484499" cy="2592288"/>
           </a:xfrm>
           <a:prstGeom prst="rect">
             <a:avLst/>
@@ -7149,6 +7218,13 @@
   <p:clrMapOvr>
     <a:masterClrMapping/>
   </p:clrMapOvr>
+  <p:timing>
+    <p:tnLst>
+      <p:par>
+        <p:cTn id="1" dur="indefinite" restart="never" nodeType="tmRoot"/>
+      </p:par>
+    </p:tnLst>
+  </p:timing>
 </p:sld>
 </file>
 
@@ -7182,7 +7258,7 @@
         <p:spPr/>
         <p:txBody>
           <a:bodyPr>
-            <a:normAutofit/>
+            <a:normAutofit fontScale="90000"/>
           </a:bodyPr>
           <a:lstStyle/>
           <a:p>
@@ -7214,8 +7290,8 @@
         </p:nvSpPr>
         <p:spPr>
           <a:xfrm>
-            <a:off x="417866" y="1197269"/>
-            <a:ext cx="8268934" cy="5040020"/>
+            <a:off x="417866" y="897952"/>
+            <a:ext cx="8268934" cy="3780015"/>
           </a:xfrm>
         </p:spPr>
         <p:txBody>
@@ -7263,6 +7339,13 @@
   <p:clrMapOvr>
     <a:masterClrMapping/>
   </p:clrMapOvr>
+  <p:timing>
+    <p:tnLst>
+      <p:par>
+        <p:cTn id="1" dur="indefinite" restart="never" nodeType="tmRoot"/>
+      </p:par>
+    </p:tnLst>
+  </p:timing>
 </p:sld>
 </file>
 
@@ -7296,7 +7379,7 @@
         <p:spPr/>
         <p:txBody>
           <a:bodyPr>
-            <a:normAutofit/>
+            <a:normAutofit fontScale="90000"/>
           </a:bodyPr>
           <a:lstStyle/>
           <a:p>
@@ -7411,6 +7494,13 @@
   <p:clrMapOvr>
     <a:masterClrMapping/>
   </p:clrMapOvr>
+  <p:timing>
+    <p:tnLst>
+      <p:par>
+        <p:cTn id="1" dur="indefinite" restart="never" nodeType="tmRoot"/>
+      </p:par>
+    </p:tnLst>
+  </p:timing>
 </p:sld>
 </file>
 
@@ -7444,7 +7534,7 @@
         <p:spPr/>
         <p:txBody>
           <a:bodyPr>
-            <a:normAutofit/>
+            <a:normAutofit fontScale="90000"/>
           </a:bodyPr>
           <a:lstStyle/>
           <a:p>
@@ -7582,8 +7672,8 @@
         </p:blipFill>
         <p:spPr>
           <a:xfrm>
-            <a:off x="1331640" y="3045350"/>
-            <a:ext cx="1855210" cy="371343"/>
+            <a:off x="1297247" y="2723053"/>
+            <a:ext cx="1855210" cy="278507"/>
           </a:xfrm>
           <a:prstGeom prst="rect">
             <a:avLst/>
@@ -7600,6 +7690,13 @@
   <p:clrMapOvr>
     <a:masterClrMapping/>
   </p:clrMapOvr>
+  <p:timing>
+    <p:tnLst>
+      <p:par>
+        <p:cTn id="1" dur="indefinite" restart="never" nodeType="tmRoot"/>
+      </p:par>
+    </p:tnLst>
+  </p:timing>
 </p:sld>
 </file>
 
@@ -7632,7 +7729,9 @@
         </p:nvSpPr>
         <p:spPr/>
         <p:txBody>
-          <a:bodyPr/>
+          <a:bodyPr>
+            <a:normAutofit fontScale="90000"/>
+          </a:bodyPr>
           <a:lstStyle/>
           <a:p>
             <a:r>
@@ -7701,6 +7800,13 @@
   <p:clrMapOvr>
     <a:masterClrMapping/>
   </p:clrMapOvr>
+  <p:timing>
+    <p:tnLst>
+      <p:par>
+        <p:cTn id="1" dur="indefinite" restart="never" nodeType="tmRoot"/>
+      </p:par>
+    </p:tnLst>
+  </p:timing>
 </p:sld>
 </file>
 
@@ -7734,7 +7840,7 @@
         <p:spPr/>
         <p:txBody>
           <a:bodyPr>
-            <a:normAutofit/>
+            <a:normAutofit fontScale="90000"/>
           </a:bodyPr>
           <a:lstStyle/>
           <a:p>
@@ -7788,8 +7894,8 @@
         </p:blipFill>
         <p:spPr>
           <a:xfrm>
-            <a:off x="687615" y="1413243"/>
-            <a:ext cx="7078341" cy="3494429"/>
+            <a:off x="687616" y="1059933"/>
+            <a:ext cx="7078341" cy="2620822"/>
           </a:xfrm>
           <a:prstGeom prst="rect">
             <a:avLst/>
@@ -7806,6 +7912,13 @@
   <p:clrMapOvr>
     <a:masterClrMapping/>
   </p:clrMapOvr>
+  <p:timing>
+    <p:tnLst>
+      <p:par>
+        <p:cTn id="1" dur="indefinite" restart="never" nodeType="tmRoot"/>
+      </p:par>
+    </p:tnLst>
+  </p:timing>
 </p:sld>
 </file>
 
@@ -7838,7 +7951,9 @@
         </p:nvSpPr>
         <p:spPr/>
         <p:txBody>
-          <a:bodyPr/>
+          <a:bodyPr>
+            <a:normAutofit fontScale="90000"/>
+          </a:bodyPr>
           <a:lstStyle/>
           <a:p>
             <a:r>
@@ -7862,7 +7977,7 @@
         <p:spPr/>
         <p:txBody>
           <a:bodyPr>
-            <a:normAutofit lnSpcReduction="10000"/>
+            <a:normAutofit fontScale="92500" lnSpcReduction="20000"/>
           </a:bodyPr>
           <a:lstStyle/>
           <a:p>
@@ -7952,6 +8067,13 @@
   <p:clrMapOvr>
     <a:masterClrMapping/>
   </p:clrMapOvr>
+  <p:timing>
+    <p:tnLst>
+      <p:par>
+        <p:cTn id="1" dur="indefinite" restart="never" nodeType="tmRoot"/>
+      </p:par>
+    </p:tnLst>
+  </p:timing>
 </p:sld>
 </file>
 
@@ -7984,7 +8106,9 @@
         </p:nvSpPr>
         <p:spPr/>
         <p:txBody>
-          <a:bodyPr/>
+          <a:bodyPr>
+            <a:normAutofit fontScale="90000"/>
+          </a:bodyPr>
           <a:lstStyle/>
           <a:p>
             <a:r>
@@ -8007,8 +8131,8 @@
         </p:nvSpPr>
         <p:spPr>
           <a:xfrm>
-            <a:off x="395536" y="1124744"/>
-            <a:ext cx="8229600" cy="4525963"/>
+            <a:off x="395536" y="843558"/>
+            <a:ext cx="8229600" cy="3394472"/>
           </a:xfrm>
         </p:spPr>
         <p:txBody>
@@ -8124,8 +8248,8 @@
         </p:blipFill>
         <p:spPr>
           <a:xfrm>
-            <a:off x="741564" y="3932939"/>
-            <a:ext cx="8023615" cy="2231731"/>
+            <a:off x="741565" y="2949705"/>
+            <a:ext cx="8023615" cy="1673798"/>
           </a:xfrm>
           <a:prstGeom prst="rect">
             <a:avLst/>
@@ -8142,6 +8266,13 @@
   <p:clrMapOvr>
     <a:masterClrMapping/>
   </p:clrMapOvr>
+  <p:timing>
+    <p:tnLst>
+      <p:par>
+        <p:cTn id="1" dur="indefinite" restart="never" nodeType="tmRoot"/>
+      </p:par>
+    </p:tnLst>
+  </p:timing>
 </p:sld>
 </file>
 
@@ -8256,11 +8387,13 @@
         <p:spPr>
           <a:xfrm>
             <a:off x="-20712" y="0"/>
-            <a:ext cx="9164712" cy="836712"/>
-          </a:xfrm>
-        </p:spPr>
-        <p:txBody>
-          <a:bodyPr/>
+            <a:ext cx="9164712" cy="627534"/>
+          </a:xfrm>
+        </p:spPr>
+        <p:txBody>
+          <a:bodyPr>
+            <a:normAutofit fontScale="90000"/>
+          </a:bodyPr>
           <a:lstStyle/>
           <a:p>
             <a:r>
@@ -8320,8 +8453,8 @@
         </p:nvSpPr>
         <p:spPr>
           <a:xfrm>
-            <a:off x="400087" y="1094010"/>
-            <a:ext cx="8229600" cy="4525963"/>
+            <a:off x="400087" y="820508"/>
+            <a:ext cx="8229600" cy="3394472"/>
           </a:xfrm>
         </p:spPr>
         <p:txBody>
@@ -8379,7 +8512,9 @@
         </p:nvSpPr>
         <p:spPr/>
         <p:txBody>
-          <a:bodyPr/>
+          <a:bodyPr>
+            <a:normAutofit fontScale="90000"/>
+          </a:bodyPr>
           <a:lstStyle/>
           <a:p>
             <a:r>
@@ -8413,8 +8548,8 @@
         </p:blipFill>
         <p:spPr bwMode="auto">
           <a:xfrm>
-            <a:off x="971600" y="2420888"/>
-            <a:ext cx="7560840" cy="1716712"/>
+            <a:off x="971600" y="1815666"/>
+            <a:ext cx="7560840" cy="1287534"/>
           </a:xfrm>
           <a:prstGeom prst="rect">
             <a:avLst/>
@@ -8477,8 +8612,8 @@
         </p:blipFill>
         <p:spPr bwMode="auto">
           <a:xfrm>
-            <a:off x="831185" y="4170510"/>
-            <a:ext cx="7841670" cy="2191871"/>
+            <a:off x="831185" y="3127883"/>
+            <a:ext cx="7841670" cy="1643903"/>
           </a:xfrm>
           <a:prstGeom prst="rect">
             <a:avLst/>
@@ -8567,7 +8702,9 @@
         </p:nvSpPr>
         <p:spPr/>
         <p:txBody>
-          <a:bodyPr/>
+          <a:bodyPr>
+            <a:normAutofit fontScale="90000"/>
+          </a:bodyPr>
           <a:lstStyle/>
           <a:p>
             <a:r>
@@ -8594,8 +8731,8 @@
         </p:nvSpPr>
         <p:spPr>
           <a:xfrm>
-            <a:off x="460520" y="1052736"/>
-            <a:ext cx="8229600" cy="4525963"/>
+            <a:off x="460520" y="789553"/>
+            <a:ext cx="8229600" cy="3394472"/>
           </a:xfrm>
         </p:spPr>
         <p:txBody>
@@ -8648,8 +8785,8 @@
         </p:blipFill>
         <p:spPr bwMode="auto">
           <a:xfrm>
-            <a:off x="1043285" y="3501008"/>
-            <a:ext cx="7064070" cy="2732700"/>
+            <a:off x="1043285" y="2625756"/>
+            <a:ext cx="7064070" cy="2049525"/>
           </a:xfrm>
           <a:prstGeom prst="rect">
             <a:avLst/>
@@ -8673,6 +8810,13 @@
   <p:clrMapOvr>
     <a:masterClrMapping/>
   </p:clrMapOvr>
+  <p:timing>
+    <p:tnLst>
+      <p:par>
+        <p:cTn id="1" dur="indefinite" restart="never" nodeType="tmRoot"/>
+      </p:par>
+    </p:tnLst>
+  </p:timing>
 </p:sld>
 </file>
 
@@ -8705,8 +8849,8 @@
         </p:nvSpPr>
         <p:spPr>
           <a:xfrm>
-            <a:off x="539552" y="908720"/>
-            <a:ext cx="8229600" cy="4525963"/>
+            <a:off x="539552" y="681541"/>
+            <a:ext cx="8229600" cy="3394472"/>
           </a:xfrm>
         </p:spPr>
         <p:txBody>
@@ -8719,35 +8863,35 @@
               <a:buNone/>
             </a:pPr>
             <a:r>
-              <a:rPr lang="zh-CN" altLang="en-US" sz="2400" dirty="0" smtClean="0">
+              <a:rPr lang="zh-CN" altLang="en-US" sz="1800" dirty="0" smtClean="0">
                 <a:latin typeface="+mn-ea"/>
               </a:rPr>
               <a:t>需求</a:t>
             </a:r>
-            <a:endParaRPr lang="en-US" altLang="zh-CN" sz="2400" dirty="0" smtClean="0">
+            <a:endParaRPr lang="en-US" altLang="zh-CN" sz="1800" dirty="0" smtClean="0">
               <a:latin typeface="+mn-ea"/>
             </a:endParaRPr>
           </a:p>
           <a:p>
             <a:r>
-              <a:rPr lang="zh-CN" altLang="en-US" sz="2400" dirty="0" smtClean="0">
+              <a:rPr lang="zh-CN" altLang="en-US" sz="1800" dirty="0" smtClean="0">
                 <a:latin typeface="+mn-ea"/>
               </a:rPr>
               <a:t>测试</a:t>
             </a:r>
             <a:r>
-              <a:rPr lang="en-US" altLang="zh-CN" sz="2400" dirty="0" smtClean="0">
+              <a:rPr lang="en-US" altLang="zh-CN" sz="1800" dirty="0" smtClean="0">
                 <a:latin typeface="+mn-ea"/>
               </a:rPr>
               <a:t>student</a:t>
             </a:r>
             <a:r>
-              <a:rPr lang="zh-CN" altLang="en-US" sz="2400" dirty="0" smtClean="0">
+              <a:rPr lang="zh-CN" altLang="en-US" sz="1800" dirty="0" smtClean="0">
                 <a:latin typeface="+mn-ea"/>
               </a:rPr>
               <a:t>表</a:t>
             </a:r>
-            <a:endParaRPr lang="en-US" altLang="zh-CN" sz="2400" dirty="0" smtClean="0">
+            <a:endParaRPr lang="en-US" altLang="zh-CN" sz="1800" dirty="0" smtClean="0">
               <a:latin typeface="+mn-ea"/>
             </a:endParaRPr>
           </a:p>
@@ -8756,12 +8900,12 @@
               <a:buNone/>
             </a:pPr>
             <a:r>
-              <a:rPr lang="zh-CN" altLang="en-US" sz="2400" dirty="0" smtClean="0">
+              <a:rPr lang="zh-CN" altLang="en-US" sz="1800" dirty="0" smtClean="0">
                 <a:latin typeface="+mn-ea"/>
               </a:rPr>
               <a:t>环境准备</a:t>
             </a:r>
-            <a:endParaRPr lang="en-US" altLang="zh-CN" sz="2400" dirty="0" smtClean="0">
+            <a:endParaRPr lang="en-US" altLang="zh-CN" sz="1800" dirty="0" smtClean="0">
               <a:latin typeface="+mn-ea"/>
             </a:endParaRPr>
           </a:p>
@@ -8770,32 +8914,32 @@
               <a:buNone/>
             </a:pPr>
             <a:r>
-              <a:rPr lang="en-US" altLang="zh-CN" sz="2400" dirty="0"/>
+              <a:rPr lang="en-US" altLang="zh-CN" sz="1800" dirty="0"/>
               <a:t>https://dev.mysql.com/downloads/connector/j</a:t>
             </a:r>
             <a:r>
-              <a:rPr lang="en-US" altLang="zh-CN" sz="2400" dirty="0" smtClean="0"/>
+              <a:rPr lang="en-US" altLang="zh-CN" sz="1800" dirty="0" smtClean="0"/>
               <a:t>/</a:t>
             </a:r>
-            <a:endParaRPr lang="en-US" altLang="zh-CN" sz="2400" dirty="0" smtClean="0">
+            <a:endParaRPr lang="en-US" altLang="zh-CN" sz="1800" dirty="0" smtClean="0">
               <a:latin typeface="+mn-ea"/>
             </a:endParaRPr>
           </a:p>
           <a:p>
             <a:r>
-              <a:rPr lang="en-US" altLang="zh-CN" sz="2400" dirty="0" err="1">
+              <a:rPr lang="en-US" altLang="zh-CN" sz="1800" dirty="0" err="1">
                 <a:latin typeface="+mn-ea"/>
               </a:rPr>
               <a:t>mysql</a:t>
             </a:r>
             <a:r>
-              <a:rPr lang="zh-CN" altLang="en-US" sz="2400" dirty="0" smtClean="0">
+              <a:rPr lang="zh-CN" altLang="en-US" sz="1800" dirty="0" smtClean="0">
                 <a:latin typeface="+mn-ea"/>
               </a:rPr>
               <a:t>驱动 </a:t>
             </a:r>
             <a:r>
-              <a:rPr lang="en-US" altLang="zh-CN" sz="2400" dirty="0">
+              <a:rPr lang="en-US" altLang="zh-CN" sz="1800" dirty="0">
                 <a:latin typeface="+mn-ea"/>
               </a:rPr>
               <a:t>mysql-connector-java-5.1.6-bin.jar</a:t>
@@ -8803,47 +8947,47 @@
           </a:p>
           <a:p>
             <a:r>
-              <a:rPr lang="en-US" altLang="zh-CN" sz="2400" dirty="0" err="1">
+              <a:rPr lang="en-US" altLang="zh-CN" sz="1800" dirty="0" err="1">
                 <a:latin typeface="+mn-ea"/>
               </a:rPr>
               <a:t>jmeter</a:t>
             </a:r>
             <a:r>
-              <a:rPr lang="en-US" altLang="zh-CN" sz="2400" dirty="0">
+              <a:rPr lang="en-US" altLang="zh-CN" sz="1800" dirty="0">
                 <a:latin typeface="+mn-ea"/>
               </a:rPr>
               <a:t>-&gt;jdbc </a:t>
             </a:r>
             <a:r>
-              <a:rPr lang="zh-CN" altLang="en-US" sz="2400" dirty="0">
+              <a:rPr lang="zh-CN" altLang="en-US" sz="1800" dirty="0">
                 <a:latin typeface="+mn-ea"/>
               </a:rPr>
               <a:t>配置</a:t>
             </a:r>
-            <a:endParaRPr lang="en-US" altLang="zh-CN" sz="2400" dirty="0">
+            <a:endParaRPr lang="en-US" altLang="zh-CN" sz="1800" dirty="0">
               <a:latin typeface="+mn-ea"/>
             </a:endParaRPr>
           </a:p>
           <a:p>
             <a:r>
-              <a:rPr lang="en-US" altLang="zh-CN" sz="2400" dirty="0" err="1">
+              <a:rPr lang="en-US" altLang="zh-CN" sz="1800" dirty="0" err="1">
                 <a:latin typeface="+mn-ea"/>
               </a:rPr>
               <a:t>jmeter</a:t>
             </a:r>
             <a:r>
-              <a:rPr lang="en-US" altLang="zh-CN" sz="2400" dirty="0">
+              <a:rPr lang="en-US" altLang="zh-CN" sz="1800" dirty="0">
                 <a:latin typeface="+mn-ea"/>
               </a:rPr>
               <a:t>-&gt;jdbc</a:t>
             </a:r>
             <a:r>
-              <a:rPr lang="zh-CN" altLang="en-US" sz="2400" dirty="0" smtClean="0">
+              <a:rPr lang="zh-CN" altLang="en-US" sz="1800" dirty="0" smtClean="0">
                 <a:latin typeface="+mn-ea"/>
               </a:rPr>
               <a:t>请求</a:t>
             </a:r>
-            <a:endParaRPr lang="en-US" altLang="zh-CN" sz="2400" dirty="0">
+            <a:endParaRPr lang="en-US" altLang="zh-CN" sz="1800" dirty="0">
               <a:latin typeface="+mn-ea"/>
             </a:endParaRPr>
           </a:p>
@@ -8852,12 +8996,12 @@
               <a:buNone/>
             </a:pPr>
             <a:r>
-              <a:rPr lang="zh-CN" altLang="en-US" sz="2400" dirty="0" smtClean="0">
+              <a:rPr lang="zh-CN" altLang="en-US" sz="1800" dirty="0" smtClean="0">
                 <a:latin typeface="+mn-ea"/>
               </a:rPr>
               <a:t>步骤：</a:t>
             </a:r>
-            <a:endParaRPr lang="en-US" altLang="zh-CN" sz="2400" dirty="0" smtClean="0">
+            <a:endParaRPr lang="en-US" altLang="zh-CN" sz="1800" dirty="0" smtClean="0">
               <a:latin typeface="+mn-ea"/>
             </a:endParaRPr>
           </a:p>
@@ -8867,24 +9011,24 @@
               <a:buAutoNum type="arabicPeriod"/>
             </a:pPr>
             <a:r>
-              <a:rPr lang="zh-CN" altLang="en-US" sz="2400" dirty="0">
+              <a:rPr lang="zh-CN" altLang="en-US" sz="1800" dirty="0">
                 <a:latin typeface="+mn-ea"/>
               </a:rPr>
               <a:t>在测试计划中加入</a:t>
             </a:r>
             <a:r>
-              <a:rPr lang="en-US" altLang="zh-CN" sz="2400" dirty="0">
+              <a:rPr lang="en-US" altLang="zh-CN" sz="1800" dirty="0">
                 <a:latin typeface="+mn-ea"/>
               </a:rPr>
               <a:t>jar</a:t>
             </a:r>
             <a:r>
-              <a:rPr lang="zh-CN" altLang="en-US" sz="2400" dirty="0">
+              <a:rPr lang="zh-CN" altLang="en-US" sz="1800" dirty="0">
                 <a:latin typeface="+mn-ea"/>
               </a:rPr>
               <a:t>包</a:t>
             </a:r>
-            <a:endParaRPr lang="en-US" altLang="zh-CN" sz="2400" dirty="0">
+            <a:endParaRPr lang="en-US" altLang="zh-CN" sz="1800" dirty="0">
               <a:latin typeface="+mn-ea"/>
             </a:endParaRPr>
           </a:p>
@@ -8894,19 +9038,19 @@
               <a:buAutoNum type="arabicPeriod"/>
             </a:pPr>
             <a:r>
-              <a:rPr lang="en-US" altLang="zh-CN" sz="2400" dirty="0">
+              <a:rPr lang="en-US" altLang="zh-CN" sz="1800" dirty="0">
                 <a:latin typeface="+mn-ea"/>
               </a:rPr>
               <a:t>jdbc</a:t>
             </a:r>
             <a:r>
-              <a:rPr lang="zh-CN" altLang="en-US" sz="2400" dirty="0" smtClean="0">
+              <a:rPr lang="zh-CN" altLang="en-US" sz="1800" dirty="0" smtClean="0">
                 <a:latin typeface="+mn-ea"/>
               </a:rPr>
               <a:t>配置 </a:t>
             </a:r>
             <a:r>
-              <a:rPr lang="en-US" altLang="zh-CN" sz="2400" dirty="0" err="1">
+              <a:rPr lang="en-US" altLang="zh-CN" sz="1800" dirty="0" err="1">
                 <a:solidFill>
                   <a:srgbClr val="FF0000"/>
                 </a:solidFill>
@@ -8915,7 +9059,7 @@
               <a:t>jdbc:mysql</a:t>
             </a:r>
             <a:r>
-              <a:rPr lang="en-US" altLang="zh-CN" sz="2400" dirty="0">
+              <a:rPr lang="en-US" altLang="zh-CN" sz="1800" dirty="0">
                 <a:solidFill>
                   <a:srgbClr val="FF0000"/>
                 </a:solidFill>
@@ -8924,7 +9068,7 @@
               <a:t>://</a:t>
             </a:r>
             <a:r>
-              <a:rPr lang="en-US" altLang="zh-CN" sz="2400" dirty="0" smtClean="0">
+              <a:rPr lang="en-US" altLang="zh-CN" sz="1800" dirty="0" smtClean="0">
                 <a:solidFill>
                   <a:srgbClr val="FF0000"/>
                 </a:solidFill>
@@ -8938,7 +9082,7 @@
               <a:buNone/>
             </a:pPr>
             <a:r>
-              <a:rPr lang="en-US" altLang="zh-CN" sz="2400" dirty="0" err="1">
+              <a:rPr lang="en-US" altLang="zh-CN" sz="1800" dirty="0" err="1">
                 <a:solidFill>
                   <a:srgbClr val="FF0000"/>
                 </a:solidFill>
@@ -8946,7 +9090,7 @@
               </a:rPr>
               <a:t>com.mysql.jdbc.Driver</a:t>
             </a:r>
-            <a:endParaRPr lang="en-US" altLang="zh-CN" sz="2400" dirty="0">
+            <a:endParaRPr lang="en-US" altLang="zh-CN" sz="1800" dirty="0">
               <a:solidFill>
                 <a:srgbClr val="FF0000"/>
               </a:solidFill>
@@ -8959,18 +9103,18 @@
               <a:buAutoNum type="arabicPeriod" startAt="3"/>
             </a:pPr>
             <a:r>
-              <a:rPr lang="en-US" altLang="zh-CN" sz="2400" dirty="0">
+              <a:rPr lang="en-US" altLang="zh-CN" sz="1800" dirty="0">
                 <a:latin typeface="+mn-ea"/>
               </a:rPr>
               <a:t>jdbc</a:t>
             </a:r>
             <a:r>
-              <a:rPr lang="zh-CN" altLang="en-US" sz="2400" dirty="0">
+              <a:rPr lang="zh-CN" altLang="en-US" sz="1800" dirty="0">
                 <a:latin typeface="+mn-ea"/>
               </a:rPr>
               <a:t>请求</a:t>
             </a:r>
-            <a:endParaRPr lang="en-US" altLang="zh-CN" sz="2400" dirty="0">
+            <a:endParaRPr lang="en-US" altLang="zh-CN" sz="1800" dirty="0">
               <a:latin typeface="+mn-ea"/>
             </a:endParaRPr>
           </a:p>
@@ -8980,18 +9124,18 @@
               <a:buAutoNum type="arabicPeriod" startAt="3"/>
             </a:pPr>
             <a:r>
-              <a:rPr lang="zh-CN" altLang="en-US" sz="2400" dirty="0">
+              <a:rPr lang="zh-CN" altLang="en-US" sz="1800" dirty="0">
                 <a:latin typeface="+mn-ea"/>
               </a:rPr>
               <a:t>断言、结</a:t>
             </a:r>
             <a:r>
-              <a:rPr lang="zh-CN" altLang="en-US" sz="2400" dirty="0" smtClean="0">
+              <a:rPr lang="zh-CN" altLang="en-US" sz="1800" dirty="0" smtClean="0">
                 <a:latin typeface="+mn-ea"/>
               </a:rPr>
               <a:t>果树</a:t>
             </a:r>
-            <a:endParaRPr lang="en-US" altLang="zh-CN" sz="2400" dirty="0">
+            <a:endParaRPr lang="en-US" altLang="zh-CN" sz="1800" dirty="0">
               <a:latin typeface="+mn-ea"/>
             </a:endParaRPr>
           </a:p>
@@ -9009,7 +9153,9 @@
         </p:nvSpPr>
         <p:spPr/>
         <p:txBody>
-          <a:bodyPr/>
+          <a:bodyPr>
+            <a:normAutofit fontScale="90000"/>
+          </a:bodyPr>
           <a:lstStyle/>
           <a:p>
             <a:r>
@@ -9087,8 +9233,8 @@
         </p:blipFill>
         <p:spPr bwMode="auto">
           <a:xfrm>
-            <a:off x="-34178" y="1124744"/>
-            <a:ext cx="9064007" cy="4896544"/>
+            <a:off x="-34178" y="843558"/>
+            <a:ext cx="9064007" cy="3672408"/>
           </a:xfrm>
           <a:prstGeom prst="rect">
             <a:avLst/>
@@ -9136,8 +9282,8 @@
         </p:nvSpPr>
         <p:spPr>
           <a:xfrm>
-            <a:off x="2676288" y="55070"/>
-            <a:ext cx="3791424" cy="707886"/>
+            <a:off x="2676288" y="41302"/>
+            <a:ext cx="3791423" cy="707886"/>
           </a:xfrm>
           <a:prstGeom prst="rect">
             <a:avLst/>
@@ -9233,8 +9379,8 @@
         </p:nvSpPr>
         <p:spPr>
           <a:xfrm>
-            <a:off x="539552" y="980728"/>
-            <a:ext cx="8229600" cy="4525963"/>
+            <a:off x="539552" y="735546"/>
+            <a:ext cx="8229600" cy="3394472"/>
           </a:xfrm>
         </p:spPr>
         <p:txBody>
@@ -9276,6 +9422,10 @@
           </p:nvPr>
         </p:nvSpPr>
         <p:spPr>
+          <a:xfrm>
+            <a:off x="2629669" y="-46868"/>
+            <a:ext cx="3791423" cy="707886"/>
+          </a:xfrm>
           <a:prstGeom prst="rect">
             <a:avLst/>
           </a:prstGeom>
@@ -9344,8 +9494,8 @@
         </p:blipFill>
         <p:spPr bwMode="auto">
           <a:xfrm>
-            <a:off x="1115616" y="1772816"/>
-            <a:ext cx="6076950" cy="4143375"/>
+            <a:off x="1115616" y="1329612"/>
+            <a:ext cx="6076950" cy="3107531"/>
           </a:xfrm>
           <a:prstGeom prst="rect">
             <a:avLst/>
@@ -9464,8 +9614,8 @@
         </p:blipFill>
         <p:spPr bwMode="auto">
           <a:xfrm>
-            <a:off x="1161492" y="1268761"/>
-            <a:ext cx="6120680" cy="3700930"/>
+            <a:off x="1161492" y="951571"/>
+            <a:ext cx="6120680" cy="2775698"/>
           </a:xfrm>
           <a:prstGeom prst="rect">
             <a:avLst/>
@@ -9516,6 +9666,10 @@
           </p:nvPr>
         </p:nvSpPr>
         <p:spPr>
+          <a:xfrm>
+            <a:off x="2629669" y="-46868"/>
+            <a:ext cx="3791423" cy="707886"/>
+          </a:xfrm>
           <a:prstGeom prst="rect">
             <a:avLst/>
           </a:prstGeom>
@@ -9569,7 +9723,7 @@
         </p:nvSpPr>
         <p:spPr>
           <a:xfrm>
-            <a:off x="576554" y="4966166"/>
+            <a:off x="576554" y="3724625"/>
             <a:ext cx="8315926" cy="1200329"/>
           </a:xfrm>
           <a:prstGeom prst="rect">
@@ -9768,7 +9922,9 @@
         </p:nvSpPr>
         <p:spPr/>
         <p:txBody>
-          <a:bodyPr/>
+          <a:bodyPr>
+            <a:normAutofit fontScale="90000"/>
+          </a:bodyPr>
           <a:lstStyle/>
           <a:p>
             <a:r>
@@ -9880,7 +10036,9 @@
         </p:nvSpPr>
         <p:spPr/>
         <p:txBody>
-          <a:bodyPr/>
+          <a:bodyPr>
+            <a:normAutofit fontScale="90000"/>
+          </a:bodyPr>
           <a:lstStyle/>
           <a:p>
             <a:r>
@@ -9940,12 +10098,14 @@
         </p:nvSpPr>
         <p:spPr>
           <a:xfrm>
-            <a:off x="457200" y="1600200"/>
-            <a:ext cx="8435280" cy="4525963"/>
-          </a:xfrm>
-        </p:spPr>
-        <p:txBody>
-          <a:bodyPr/>
+            <a:off x="457200" y="1200151"/>
+            <a:ext cx="8435280" cy="3394472"/>
+          </a:xfrm>
+        </p:spPr>
+        <p:txBody>
+          <a:bodyPr>
+            <a:normAutofit lnSpcReduction="10000"/>
+          </a:bodyPr>
           <a:lstStyle/>
           <a:p>
             <a:pPr>
@@ -10009,7 +10169,9 @@
         </p:nvSpPr>
         <p:spPr/>
         <p:txBody>
-          <a:bodyPr/>
+          <a:bodyPr>
+            <a:normAutofit fontScale="90000"/>
+          </a:bodyPr>
           <a:lstStyle/>
           <a:p>
             <a:r>
@@ -10070,7 +10232,7 @@
         <p:spPr/>
         <p:txBody>
           <a:bodyPr>
-            <a:normAutofit/>
+            <a:normAutofit lnSpcReduction="10000"/>
           </a:bodyPr>
           <a:lstStyle/>
           <a:p>
@@ -10133,7 +10295,7 @@
         <p:spPr/>
         <p:txBody>
           <a:bodyPr>
-            <a:normAutofit/>
+            <a:normAutofit fontScale="90000"/>
           </a:bodyPr>
           <a:lstStyle/>
           <a:p>
@@ -10198,7 +10360,9 @@
         </p:nvSpPr>
         <p:spPr/>
         <p:txBody>
-          <a:bodyPr/>
+          <a:bodyPr>
+            <a:normAutofit fontScale="90000"/>
+          </a:bodyPr>
           <a:lstStyle/>
           <a:p>
             <a:r>
@@ -10217,8 +10381,8 @@
         </p:nvSpPr>
         <p:spPr>
           <a:xfrm>
-            <a:off x="395536" y="3212976"/>
-            <a:ext cx="1440160" cy="493016"/>
+            <a:off x="395536" y="2409732"/>
+            <a:ext cx="1440160" cy="369762"/>
           </a:xfrm>
           <a:prstGeom prst="roundRect">
             <a:avLst/>
@@ -10270,8 +10434,8 @@
         </p:nvSpPr>
         <p:spPr>
           <a:xfrm>
-            <a:off x="2555776" y="1727273"/>
-            <a:ext cx="1440160" cy="493016"/>
+            <a:off x="2555776" y="1295455"/>
+            <a:ext cx="1440160" cy="369762"/>
           </a:xfrm>
           <a:prstGeom prst="roundRect">
             <a:avLst/>
@@ -10323,8 +10487,8 @@
         </p:nvSpPr>
         <p:spPr>
           <a:xfrm>
-            <a:off x="2555776" y="4158287"/>
-            <a:ext cx="1440160" cy="493016"/>
+            <a:off x="2555776" y="3118715"/>
+            <a:ext cx="1440160" cy="369762"/>
           </a:xfrm>
           <a:prstGeom prst="roundRect">
             <a:avLst/>
@@ -10376,8 +10540,8 @@
         </p:nvSpPr>
         <p:spPr>
           <a:xfrm>
-            <a:off x="2555776" y="5672288"/>
-            <a:ext cx="2880320" cy="493016"/>
+            <a:off x="2555776" y="4254216"/>
+            <a:ext cx="2880320" cy="369762"/>
           </a:xfrm>
           <a:prstGeom prst="roundRect">
             <a:avLst/>
@@ -10429,8 +10593,8 @@
         </p:nvSpPr>
         <p:spPr>
           <a:xfrm>
-            <a:off x="5004048" y="1001305"/>
-            <a:ext cx="2880320" cy="493016"/>
+            <a:off x="5004048" y="750979"/>
+            <a:ext cx="2880320" cy="369762"/>
           </a:xfrm>
           <a:prstGeom prst="roundRect">
             <a:avLst/>
@@ -10481,8 +10645,8 @@
         </p:nvSpPr>
         <p:spPr>
           <a:xfrm>
-            <a:off x="5004048" y="1783856"/>
-            <a:ext cx="2880320" cy="493016"/>
+            <a:off x="5004048" y="1337892"/>
+            <a:ext cx="2880320" cy="369762"/>
           </a:xfrm>
           <a:prstGeom prst="roundRect">
             <a:avLst/>
@@ -10534,8 +10698,8 @@
         </p:nvSpPr>
         <p:spPr>
           <a:xfrm>
-            <a:off x="5004048" y="2621925"/>
-            <a:ext cx="2880320" cy="493016"/>
+            <a:off x="5004048" y="1966444"/>
+            <a:ext cx="2880320" cy="369762"/>
           </a:xfrm>
           <a:prstGeom prst="roundRect">
             <a:avLst/>
@@ -10589,8 +10753,8 @@
         </p:nvCxnSpPr>
         <p:spPr>
           <a:xfrm flipH="1">
-            <a:off x="1115616" y="2128399"/>
-            <a:ext cx="1408192" cy="1084577"/>
+            <a:off x="1115616" y="1596300"/>
+            <a:ext cx="1408192" cy="813433"/>
           </a:xfrm>
           <a:prstGeom prst="line">
             <a:avLst/>
@@ -10621,8 +10785,8 @@
         </p:nvCxnSpPr>
         <p:spPr>
           <a:xfrm>
-            <a:off x="1259632" y="3705992"/>
-            <a:ext cx="1296144" cy="2212804"/>
+            <a:off x="1259632" y="2779494"/>
+            <a:ext cx="1296144" cy="1659603"/>
           </a:xfrm>
           <a:prstGeom prst="line">
             <a:avLst/>
@@ -10653,8 +10817,8 @@
         </p:nvCxnSpPr>
         <p:spPr>
           <a:xfrm>
-            <a:off x="1835696" y="3459484"/>
-            <a:ext cx="720080" cy="698803"/>
+            <a:off x="1835696" y="2594614"/>
+            <a:ext cx="720080" cy="524102"/>
           </a:xfrm>
           <a:prstGeom prst="line">
             <a:avLst/>
@@ -10683,8 +10847,8 @@
         </p:nvSpPr>
         <p:spPr>
           <a:xfrm>
-            <a:off x="4572000" y="4126959"/>
-            <a:ext cx="2088232" cy="493016"/>
+            <a:off x="4572000" y="3095219"/>
+            <a:ext cx="2088232" cy="369762"/>
           </a:xfrm>
           <a:prstGeom prst="roundRect">
             <a:avLst/>
@@ -10736,8 +10900,8 @@
         </p:nvSpPr>
         <p:spPr>
           <a:xfrm>
-            <a:off x="7092280" y="4158287"/>
-            <a:ext cx="1944216" cy="493016"/>
+            <a:off x="7092280" y="3118715"/>
+            <a:ext cx="1944216" cy="369762"/>
           </a:xfrm>
           <a:prstGeom prst="roundRect">
             <a:avLst/>
@@ -10789,8 +10953,8 @@
         </p:nvCxnSpPr>
         <p:spPr>
           <a:xfrm rot="10800000" flipV="1">
-            <a:off x="2987824" y="1247813"/>
-            <a:ext cx="2016224" cy="479460"/>
+            <a:off x="2987824" y="935860"/>
+            <a:ext cx="2016224" cy="359595"/>
           </a:xfrm>
           <a:prstGeom prst="bentConnector3">
             <a:avLst>
@@ -10823,7 +10987,7 @@
         </p:nvCxnSpPr>
         <p:spPr>
           <a:xfrm>
-            <a:off x="3995936" y="1973781"/>
+            <a:off x="3995936" y="1480336"/>
             <a:ext cx="936104" cy="0"/>
           </a:xfrm>
           <a:prstGeom prst="line">
@@ -10856,8 +11020,8 @@
         </p:nvCxnSpPr>
         <p:spPr>
           <a:xfrm rot="16200000" flipH="1">
-            <a:off x="3815880" y="1680265"/>
-            <a:ext cx="648144" cy="1728192"/>
+            <a:off x="3896898" y="1044175"/>
+            <a:ext cx="486108" cy="1728192"/>
           </a:xfrm>
           <a:prstGeom prst="bentConnector2">
             <a:avLst/>
@@ -10886,7 +11050,7 @@
         </p:nvCxnSpPr>
         <p:spPr>
           <a:xfrm>
-            <a:off x="3995936" y="4404795"/>
+            <a:off x="3995936" y="3303596"/>
             <a:ext cx="576064" cy="0"/>
           </a:xfrm>
           <a:prstGeom prst="line">
@@ -10918,7 +11082,7 @@
         </p:nvCxnSpPr>
         <p:spPr>
           <a:xfrm>
-            <a:off x="6660232" y="4404795"/>
+            <a:off x="6660232" y="3303596"/>
             <a:ext cx="432048" cy="0"/>
           </a:xfrm>
           <a:prstGeom prst="line">
@@ -10989,8 +11153,8 @@
         </p:nvSpPr>
         <p:spPr>
           <a:xfrm>
-            <a:off x="539552" y="1196752"/>
-            <a:ext cx="8229600" cy="4525963"/>
+            <a:off x="539552" y="897565"/>
+            <a:ext cx="8229600" cy="3394472"/>
           </a:xfrm>
         </p:spPr>
         <p:txBody>
@@ -11049,7 +11213,9 @@
         </p:nvSpPr>
         <p:spPr/>
         <p:txBody>
-          <a:bodyPr/>
+          <a:bodyPr>
+            <a:normAutofit fontScale="90000"/>
+          </a:bodyPr>
           <a:lstStyle/>
           <a:p>
             <a:r>
@@ -11146,7 +11312,9 @@
         </p:nvSpPr>
         <p:spPr/>
         <p:txBody>
-          <a:bodyPr/>
+          <a:bodyPr>
+            <a:normAutofit fontScale="85000" lnSpcReduction="20000"/>
+          </a:bodyPr>
           <a:lstStyle/>
           <a:p>
             <a:pPr>
